--- a/1700/B. Forming Teams/B. Forming Teams.pptx
+++ b/1700/B. Forming Teams/B. Forming Teams.pptx
@@ -207,7 +207,7 @@
           <a:p>
             <a:fld id="{2D442005-97CF-497A-A3EA-1ECAF64B4268}" type="datetimeFigureOut">
               <a:rPr lang="en-US" smtClean="0"/>
-              <a:t>7/7/2020</a:t>
+              <a:t>7/8/2020</a:t>
             </a:fld>
             <a:endParaRPr lang="en-US"/>
           </a:p>
@@ -943,7 +943,7 @@
           <a:p>
             <a:fld id="{97ADF42E-8A38-4D09-A794-19BEFA959A88}" type="datetimeFigureOut">
               <a:rPr lang="en-US" smtClean="0"/>
-              <a:t>7/7/2020</a:t>
+              <a:t>7/8/2020</a:t>
             </a:fld>
             <a:endParaRPr lang="en-US"/>
           </a:p>
@@ -1108,7 +1108,7 @@
           <a:p>
             <a:fld id="{97ADF42E-8A38-4D09-A794-19BEFA959A88}" type="datetimeFigureOut">
               <a:rPr lang="en-US" smtClean="0"/>
-              <a:t>7/7/2020</a:t>
+              <a:t>7/8/2020</a:t>
             </a:fld>
             <a:endParaRPr lang="en-US"/>
           </a:p>
@@ -1283,7 +1283,7 @@
           <a:p>
             <a:fld id="{97ADF42E-8A38-4D09-A794-19BEFA959A88}" type="datetimeFigureOut">
               <a:rPr lang="en-US" smtClean="0"/>
-              <a:t>7/7/2020</a:t>
+              <a:t>7/8/2020</a:t>
             </a:fld>
             <a:endParaRPr lang="en-US"/>
           </a:p>
@@ -1452,7 +1452,7 @@
           <a:p>
             <a:fld id="{97ADF42E-8A38-4D09-A794-19BEFA959A88}" type="datetimeFigureOut">
               <a:rPr lang="en-US" smtClean="0"/>
-              <a:t>7/7/2020</a:t>
+              <a:t>7/8/2020</a:t>
             </a:fld>
             <a:endParaRPr lang="en-US"/>
           </a:p>
@@ -1907,7 +1907,7 @@
           <a:p>
             <a:fld id="{97ADF42E-8A38-4D09-A794-19BEFA959A88}" type="datetimeFigureOut">
               <a:rPr lang="en-US" smtClean="0"/>
-              <a:t>7/7/2020</a:t>
+              <a:t>7/8/2020</a:t>
             </a:fld>
             <a:endParaRPr lang="en-US"/>
           </a:p>
@@ -2171,7 +2171,7 @@
           <a:p>
             <a:fld id="{97ADF42E-8A38-4D09-A794-19BEFA959A88}" type="datetimeFigureOut">
               <a:rPr lang="en-US" smtClean="0"/>
-              <a:t>7/7/2020</a:t>
+              <a:t>7/8/2020</a:t>
             </a:fld>
             <a:endParaRPr lang="en-US"/>
           </a:p>
@@ -2545,7 +2545,7 @@
           <a:p>
             <a:fld id="{97ADF42E-8A38-4D09-A794-19BEFA959A88}" type="datetimeFigureOut">
               <a:rPr lang="en-US" smtClean="0"/>
-              <a:t>7/7/2020</a:t>
+              <a:t>7/8/2020</a:t>
             </a:fld>
             <a:endParaRPr lang="en-US"/>
           </a:p>
@@ -2667,7 +2667,7 @@
           <a:p>
             <a:fld id="{97ADF42E-8A38-4D09-A794-19BEFA959A88}" type="datetimeFigureOut">
               <a:rPr lang="en-US" smtClean="0"/>
-              <a:t>7/7/2020</a:t>
+              <a:t>7/8/2020</a:t>
             </a:fld>
             <a:endParaRPr lang="en-US"/>
           </a:p>
@@ -2757,7 +2757,7 @@
           <a:p>
             <a:fld id="{97ADF42E-8A38-4D09-A794-19BEFA959A88}" type="datetimeFigureOut">
               <a:rPr lang="en-US" smtClean="0"/>
-              <a:t>7/7/2020</a:t>
+              <a:t>7/8/2020</a:t>
             </a:fld>
             <a:endParaRPr lang="en-US"/>
           </a:p>
@@ -3006,7 +3006,7 @@
           <a:p>
             <a:fld id="{97ADF42E-8A38-4D09-A794-19BEFA959A88}" type="datetimeFigureOut">
               <a:rPr lang="en-US" smtClean="0"/>
-              <a:t>7/7/2020</a:t>
+              <a:t>7/8/2020</a:t>
             </a:fld>
             <a:endParaRPr lang="en-US"/>
           </a:p>
@@ -3265,7 +3265,7 @@
           <a:p>
             <a:fld id="{97ADF42E-8A38-4D09-A794-19BEFA959A88}" type="datetimeFigureOut">
               <a:rPr lang="en-US" smtClean="0"/>
-              <a:t>7/7/2020</a:t>
+              <a:t>7/8/2020</a:t>
             </a:fld>
             <a:endParaRPr lang="en-US"/>
           </a:p>
@@ -3669,7 +3669,7 @@
           <a:p>
             <a:fld id="{97ADF42E-8A38-4D09-A794-19BEFA959A88}" type="datetimeFigureOut">
               <a:rPr lang="en-US" smtClean="0"/>
-              <a:t>7/7/2020</a:t>
+              <a:t>7/8/2020</a:t>
             </a:fld>
             <a:endParaRPr lang="en-US"/>
           </a:p>
@@ -4197,6 +4197,77 @@
           </a:extLst>
         </p:spPr>
       </p:pic>
+      <p:pic>
+        <p:nvPicPr>
+          <p:cNvPr id="1026" name="Picture 2" descr="C:\Users\robyb\OneDrive\Desktop\download.png"/>
+          <p:cNvPicPr>
+            <a:picLocks noChangeAspect="1" noChangeArrowheads="1"/>
+          </p:cNvPicPr>
+          <p:nvPr/>
+        </p:nvPicPr>
+        <p:blipFill>
+          <a:blip r:embed="rId3">
+            <a:extLst>
+              <a:ext uri="{28A0092B-C50C-407E-A947-70E740481C1C}">
+                <a14:useLocalDpi xmlns:a14="http://schemas.microsoft.com/office/drawing/2010/main" val="0"/>
+              </a:ext>
+            </a:extLst>
+          </a:blip>
+          <a:srcRect/>
+          <a:stretch>
+            <a:fillRect/>
+          </a:stretch>
+        </p:blipFill>
+        <p:spPr bwMode="auto">
+          <a:xfrm>
+            <a:off x="533400" y="4586514"/>
+            <a:ext cx="1905000" cy="1905000"/>
+          </a:xfrm>
+          <a:prstGeom prst="rect">
+            <a:avLst/>
+          </a:prstGeom>
+          <a:noFill/>
+          <a:extLst>
+            <a:ext uri="{909E8E84-426E-40DD-AFC4-6F175D3DCCD1}">
+              <a14:hiddenFill xmlns:a14="http://schemas.microsoft.com/office/drawing/2010/main">
+                <a:solidFill>
+                  <a:srgbClr val="FFFFFF"/>
+                </a:solidFill>
+              </a14:hiddenFill>
+            </a:ext>
+          </a:extLst>
+        </p:spPr>
+      </p:pic>
+      <p:sp>
+        <p:nvSpPr>
+          <p:cNvPr id="3" name="TextBox 2"/>
+          <p:cNvSpPr txBox="1"/>
+          <p:nvPr/>
+        </p:nvSpPr>
+        <p:spPr>
+          <a:xfrm>
+            <a:off x="442686" y="6491514"/>
+            <a:ext cx="2529114" cy="369332"/>
+          </a:xfrm>
+          <a:prstGeom prst="rect">
+            <a:avLst/>
+          </a:prstGeom>
+          <a:noFill/>
+        </p:spPr>
+        <p:txBody>
+          <a:bodyPr wrap="square" rtlCol="0">
+            <a:spAutoFit/>
+          </a:bodyPr>
+          <a:lstStyle/>
+          <a:p>
+            <a:r>
+              <a:rPr lang="en-US" dirty="0" smtClean="0"/>
+              <a:t>PowerPoint + Code</a:t>
+            </a:r>
+            <a:endParaRPr lang="en-US" dirty="0"/>
+          </a:p>
+        </p:txBody>
+      </p:sp>
     </p:spTree>
     <p:extLst>
       <p:ext uri="{BB962C8B-B14F-4D97-AF65-F5344CB8AC3E}">
@@ -6115,7 +6186,276 @@
   <p:timing>
     <p:tnLst>
       <p:par>
-        <p:cTn id="1" dur="indefinite" restart="never" nodeType="tmRoot"/>
+        <p:cTn id="1" dur="indefinite" restart="never" nodeType="tmRoot">
+          <p:childTnLst>
+            <p:seq concurrent="1" nextAc="seek">
+              <p:cTn id="2" dur="indefinite" nodeType="mainSeq">
+                <p:childTnLst>
+                  <p:par>
+                    <p:cTn id="3" fill="hold">
+                      <p:stCondLst>
+                        <p:cond delay="indefinite"/>
+                      </p:stCondLst>
+                      <p:childTnLst>
+                        <p:par>
+                          <p:cTn id="4" fill="hold">
+                            <p:stCondLst>
+                              <p:cond delay="0"/>
+                            </p:stCondLst>
+                            <p:childTnLst>
+                              <p:par>
+                                <p:cTn id="5" presetID="10" presetClass="entr" presetSubtype="0" fill="hold" nodeType="clickEffect">
+                                  <p:stCondLst>
+                                    <p:cond delay="0"/>
+                                  </p:stCondLst>
+                                  <p:childTnLst>
+                                    <p:set>
+                                      <p:cBhvr>
+                                        <p:cTn id="6" dur="1" fill="hold">
+                                          <p:stCondLst>
+                                            <p:cond delay="0"/>
+                                          </p:stCondLst>
+                                        </p:cTn>
+                                        <p:tgtEl>
+                                          <p:spTgt spid="37"/>
+                                        </p:tgtEl>
+                                        <p:attrNameLst>
+                                          <p:attrName>style.visibility</p:attrName>
+                                        </p:attrNameLst>
+                                      </p:cBhvr>
+                                      <p:to>
+                                        <p:strVal val="visible"/>
+                                      </p:to>
+                                    </p:set>
+                                    <p:animEffect transition="in" filter="fade">
+                                      <p:cBhvr>
+                                        <p:cTn id="7" dur="500"/>
+                                        <p:tgtEl>
+                                          <p:spTgt spid="37"/>
+                                        </p:tgtEl>
+                                      </p:cBhvr>
+                                    </p:animEffect>
+                                  </p:childTnLst>
+                                </p:cTn>
+                              </p:par>
+                              <p:par>
+                                <p:cTn id="8" presetID="10" presetClass="entr" presetSubtype="0" fill="hold" nodeType="withEffect">
+                                  <p:stCondLst>
+                                    <p:cond delay="0"/>
+                                  </p:stCondLst>
+                                  <p:childTnLst>
+                                    <p:set>
+                                      <p:cBhvr>
+                                        <p:cTn id="9" dur="1" fill="hold">
+                                          <p:stCondLst>
+                                            <p:cond delay="0"/>
+                                          </p:stCondLst>
+                                        </p:cTn>
+                                        <p:tgtEl>
+                                          <p:spTgt spid="41"/>
+                                        </p:tgtEl>
+                                        <p:attrNameLst>
+                                          <p:attrName>style.visibility</p:attrName>
+                                        </p:attrNameLst>
+                                      </p:cBhvr>
+                                      <p:to>
+                                        <p:strVal val="visible"/>
+                                      </p:to>
+                                    </p:set>
+                                    <p:animEffect transition="in" filter="fade">
+                                      <p:cBhvr>
+                                        <p:cTn id="10" dur="500"/>
+                                        <p:tgtEl>
+                                          <p:spTgt spid="41"/>
+                                        </p:tgtEl>
+                                      </p:cBhvr>
+                                    </p:animEffect>
+                                  </p:childTnLst>
+                                </p:cTn>
+                              </p:par>
+                              <p:par>
+                                <p:cTn id="11" presetID="10" presetClass="entr" presetSubtype="0" fill="hold" nodeType="withEffect">
+                                  <p:stCondLst>
+                                    <p:cond delay="0"/>
+                                  </p:stCondLst>
+                                  <p:childTnLst>
+                                    <p:set>
+                                      <p:cBhvr>
+                                        <p:cTn id="12" dur="1" fill="hold">
+                                          <p:stCondLst>
+                                            <p:cond delay="0"/>
+                                          </p:stCondLst>
+                                        </p:cTn>
+                                        <p:tgtEl>
+                                          <p:spTgt spid="38"/>
+                                        </p:tgtEl>
+                                        <p:attrNameLst>
+                                          <p:attrName>style.visibility</p:attrName>
+                                        </p:attrNameLst>
+                                      </p:cBhvr>
+                                      <p:to>
+                                        <p:strVal val="visible"/>
+                                      </p:to>
+                                    </p:set>
+                                    <p:animEffect transition="in" filter="fade">
+                                      <p:cBhvr>
+                                        <p:cTn id="13" dur="500"/>
+                                        <p:tgtEl>
+                                          <p:spTgt spid="38"/>
+                                        </p:tgtEl>
+                                      </p:cBhvr>
+                                    </p:animEffect>
+                                  </p:childTnLst>
+                                </p:cTn>
+                              </p:par>
+                              <p:par>
+                                <p:cTn id="14" presetID="10" presetClass="entr" presetSubtype="0" fill="hold" nodeType="withEffect">
+                                  <p:stCondLst>
+                                    <p:cond delay="0"/>
+                                  </p:stCondLst>
+                                  <p:childTnLst>
+                                    <p:set>
+                                      <p:cBhvr>
+                                        <p:cTn id="15" dur="1" fill="hold">
+                                          <p:stCondLst>
+                                            <p:cond delay="0"/>
+                                          </p:stCondLst>
+                                        </p:cTn>
+                                        <p:tgtEl>
+                                          <p:spTgt spid="39"/>
+                                        </p:tgtEl>
+                                        <p:attrNameLst>
+                                          <p:attrName>style.visibility</p:attrName>
+                                        </p:attrNameLst>
+                                      </p:cBhvr>
+                                      <p:to>
+                                        <p:strVal val="visible"/>
+                                      </p:to>
+                                    </p:set>
+                                    <p:animEffect transition="in" filter="fade">
+                                      <p:cBhvr>
+                                        <p:cTn id="16" dur="500"/>
+                                        <p:tgtEl>
+                                          <p:spTgt spid="39"/>
+                                        </p:tgtEl>
+                                      </p:cBhvr>
+                                    </p:animEffect>
+                                  </p:childTnLst>
+                                </p:cTn>
+                              </p:par>
+                            </p:childTnLst>
+                          </p:cTn>
+                        </p:par>
+                      </p:childTnLst>
+                    </p:cTn>
+                  </p:par>
+                  <p:par>
+                    <p:cTn id="17" fill="hold">
+                      <p:stCondLst>
+                        <p:cond delay="indefinite"/>
+                      </p:stCondLst>
+                      <p:childTnLst>
+                        <p:par>
+                          <p:cTn id="18" fill="hold">
+                            <p:stCondLst>
+                              <p:cond delay="0"/>
+                            </p:stCondLst>
+                            <p:childTnLst>
+                              <p:par>
+                                <p:cTn id="19" presetID="10" presetClass="entr" presetSubtype="0" fill="hold" nodeType="clickEffect">
+                                  <p:stCondLst>
+                                    <p:cond delay="0"/>
+                                  </p:stCondLst>
+                                  <p:childTnLst>
+                                    <p:set>
+                                      <p:cBhvr>
+                                        <p:cTn id="20" dur="1" fill="hold">
+                                          <p:stCondLst>
+                                            <p:cond delay="0"/>
+                                          </p:stCondLst>
+                                        </p:cTn>
+                                        <p:tgtEl>
+                                          <p:spTgt spid="40"/>
+                                        </p:tgtEl>
+                                        <p:attrNameLst>
+                                          <p:attrName>style.visibility</p:attrName>
+                                        </p:attrNameLst>
+                                      </p:cBhvr>
+                                      <p:to>
+                                        <p:strVal val="visible"/>
+                                      </p:to>
+                                    </p:set>
+                                    <p:animEffect transition="in" filter="fade">
+                                      <p:cBhvr>
+                                        <p:cTn id="21" dur="500"/>
+                                        <p:tgtEl>
+                                          <p:spTgt spid="40"/>
+                                        </p:tgtEl>
+                                      </p:cBhvr>
+                                    </p:animEffect>
+                                  </p:childTnLst>
+                                </p:cTn>
+                              </p:par>
+                              <p:par>
+                                <p:cTn id="22" presetID="10" presetClass="entr" presetSubtype="0" fill="hold" nodeType="withEffect">
+                                  <p:stCondLst>
+                                    <p:cond delay="0"/>
+                                  </p:stCondLst>
+                                  <p:childTnLst>
+                                    <p:set>
+                                      <p:cBhvr>
+                                        <p:cTn id="23" dur="1" fill="hold">
+                                          <p:stCondLst>
+                                            <p:cond delay="0"/>
+                                          </p:stCondLst>
+                                        </p:cTn>
+                                        <p:tgtEl>
+                                          <p:spTgt spid="42"/>
+                                        </p:tgtEl>
+                                        <p:attrNameLst>
+                                          <p:attrName>style.visibility</p:attrName>
+                                        </p:attrNameLst>
+                                      </p:cBhvr>
+                                      <p:to>
+                                        <p:strVal val="visible"/>
+                                      </p:to>
+                                    </p:set>
+                                    <p:animEffect transition="in" filter="fade">
+                                      <p:cBhvr>
+                                        <p:cTn id="24" dur="500"/>
+                                        <p:tgtEl>
+                                          <p:spTgt spid="42"/>
+                                        </p:tgtEl>
+                                      </p:cBhvr>
+                                    </p:animEffect>
+                                  </p:childTnLst>
+                                </p:cTn>
+                              </p:par>
+                            </p:childTnLst>
+                          </p:cTn>
+                        </p:par>
+                      </p:childTnLst>
+                    </p:cTn>
+                  </p:par>
+                </p:childTnLst>
+              </p:cTn>
+              <p:prevCondLst>
+                <p:cond evt="onPrev" delay="0">
+                  <p:tgtEl>
+                    <p:sldTgt/>
+                  </p:tgtEl>
+                </p:cond>
+              </p:prevCondLst>
+              <p:nextCondLst>
+                <p:cond evt="onNext" delay="0">
+                  <p:tgtEl>
+                    <p:sldTgt/>
+                  </p:tgtEl>
+                </p:cond>
+              </p:nextCondLst>
+            </p:seq>
+          </p:childTnLst>
+        </p:cTn>
       </p:par>
     </p:tnLst>
   </p:timing>
@@ -6165,7 +6505,6 @@
               <a:rPr lang="en-US" dirty="0"/>
               <a:t>I have 3 cases:</a:t>
             </a:r>
-            <a:endParaRPr lang="en-US" dirty="0"/>
           </a:p>
         </p:txBody>
       </p:sp>
@@ -6897,7 +7236,153 @@
   <p:timing>
     <p:tnLst>
       <p:par>
-        <p:cTn id="1" dur="indefinite" restart="never" nodeType="tmRoot"/>
+        <p:cTn id="1" dur="indefinite" restart="never" nodeType="tmRoot">
+          <p:childTnLst>
+            <p:seq concurrent="1" nextAc="seek">
+              <p:cTn id="2" dur="indefinite" nodeType="mainSeq">
+                <p:childTnLst>
+                  <p:par>
+                    <p:cTn id="3" fill="hold">
+                      <p:stCondLst>
+                        <p:cond delay="indefinite"/>
+                      </p:stCondLst>
+                      <p:childTnLst>
+                        <p:par>
+                          <p:cTn id="4" fill="hold">
+                            <p:stCondLst>
+                              <p:cond delay="0"/>
+                            </p:stCondLst>
+                            <p:childTnLst>
+                              <p:par>
+                                <p:cTn id="5" presetID="10" presetClass="entr" presetSubtype="0" fill="hold" nodeType="clickEffect">
+                                  <p:stCondLst>
+                                    <p:cond delay="0"/>
+                                  </p:stCondLst>
+                                  <p:childTnLst>
+                                    <p:set>
+                                      <p:cBhvr>
+                                        <p:cTn id="6" dur="1" fill="hold">
+                                          <p:stCondLst>
+                                            <p:cond delay="0"/>
+                                          </p:stCondLst>
+                                        </p:cTn>
+                                        <p:tgtEl>
+                                          <p:spTgt spid="33"/>
+                                        </p:tgtEl>
+                                        <p:attrNameLst>
+                                          <p:attrName>style.visibility</p:attrName>
+                                        </p:attrNameLst>
+                                      </p:cBhvr>
+                                      <p:to>
+                                        <p:strVal val="visible"/>
+                                      </p:to>
+                                    </p:set>
+                                    <p:animEffect transition="in" filter="fade">
+                                      <p:cBhvr>
+                                        <p:cTn id="7" dur="500"/>
+                                        <p:tgtEl>
+                                          <p:spTgt spid="33"/>
+                                        </p:tgtEl>
+                                      </p:cBhvr>
+                                    </p:animEffect>
+                                  </p:childTnLst>
+                                </p:cTn>
+                              </p:par>
+                              <p:par>
+                                <p:cTn id="8" presetID="10" presetClass="entr" presetSubtype="0" fill="hold" nodeType="withEffect">
+                                  <p:stCondLst>
+                                    <p:cond delay="0"/>
+                                  </p:stCondLst>
+                                  <p:childTnLst>
+                                    <p:set>
+                                      <p:cBhvr>
+                                        <p:cTn id="9" dur="1" fill="hold">
+                                          <p:stCondLst>
+                                            <p:cond delay="0"/>
+                                          </p:stCondLst>
+                                        </p:cTn>
+                                        <p:tgtEl>
+                                          <p:spTgt spid="21"/>
+                                        </p:tgtEl>
+                                        <p:attrNameLst>
+                                          <p:attrName>style.visibility</p:attrName>
+                                        </p:attrNameLst>
+                                      </p:cBhvr>
+                                      <p:to>
+                                        <p:strVal val="visible"/>
+                                      </p:to>
+                                    </p:set>
+                                    <p:animEffect transition="in" filter="fade">
+                                      <p:cBhvr>
+                                        <p:cTn id="10" dur="500"/>
+                                        <p:tgtEl>
+                                          <p:spTgt spid="21"/>
+                                        </p:tgtEl>
+                                      </p:cBhvr>
+                                    </p:animEffect>
+                                  </p:childTnLst>
+                                </p:cTn>
+                              </p:par>
+                              <p:par>
+                                <p:cTn id="11" presetID="10" presetClass="entr" presetSubtype="0" fill="hold" nodeType="withEffect">
+                                  <p:stCondLst>
+                                    <p:cond delay="0"/>
+                                  </p:stCondLst>
+                                  <p:childTnLst>
+                                    <p:set>
+                                      <p:cBhvr>
+                                        <p:cTn id="12" dur="1" fill="hold">
+                                          <p:stCondLst>
+                                            <p:cond delay="0"/>
+                                          </p:stCondLst>
+                                        </p:cTn>
+                                        <p:tgtEl>
+                                          <p:spTgt spid="19"/>
+                                        </p:tgtEl>
+                                        <p:attrNameLst>
+                                          <p:attrName>style.visibility</p:attrName>
+                                        </p:attrNameLst>
+                                      </p:cBhvr>
+                                      <p:to>
+                                        <p:strVal val="visible"/>
+                                      </p:to>
+                                    </p:set>
+                                    <p:animEffect transition="in" filter="fade">
+                                      <p:cBhvr>
+                                        <p:cTn id="13" dur="500"/>
+                                        <p:tgtEl>
+                                          <p:spTgt spid="19"/>
+                                        </p:tgtEl>
+                                      </p:cBhvr>
+                                    </p:animEffect>
+                                  </p:childTnLst>
+                                </p:cTn>
+                              </p:par>
+                            </p:childTnLst>
+                          </p:cTn>
+                        </p:par>
+                      </p:childTnLst>
+                    </p:cTn>
+                  </p:par>
+                </p:childTnLst>
+              </p:cTn>
+              <p:prevCondLst>
+                <p:cond evt="onPrev" delay="0">
+                  <p:tgtEl>
+                    <p:sldTgt/>
+                  </p:tgtEl>
+                </p:cond>
+              </p:prevCondLst>
+              <p:nextCondLst>
+                <p:cond evt="onNext" delay="0">
+                  <p:tgtEl>
+                    <p:sldTgt/>
+                  </p:tgtEl>
+                </p:cond>
+              </p:nextCondLst>
+            </p:seq>
+          </p:childTnLst>
+        </p:cTn>
       </p:par>
     </p:tnLst>
   </p:timing>
@@ -7661,9 +8146,141 @@
   <p:timing>
     <p:tnLst>
       <p:par>
-        <p:cTn id="1" dur="indefinite" restart="never" nodeType="tmRoot"/>
+        <p:cTn id="1" dur="indefinite" restart="never" nodeType="tmRoot">
+          <p:childTnLst>
+            <p:seq concurrent="1" nextAc="seek">
+              <p:cTn id="2" dur="indefinite" nodeType="mainSeq">
+                <p:childTnLst>
+                  <p:par>
+                    <p:cTn id="3" fill="hold">
+                      <p:stCondLst>
+                        <p:cond delay="indefinite"/>
+                      </p:stCondLst>
+                      <p:childTnLst>
+                        <p:par>
+                          <p:cTn id="4" fill="hold">
+                            <p:stCondLst>
+                              <p:cond delay="0"/>
+                            </p:stCondLst>
+                            <p:childTnLst>
+                              <p:par>
+                                <p:cTn id="5" presetID="10" presetClass="entr" presetSubtype="0" fill="hold" grpId="0" nodeType="clickEffect">
+                                  <p:stCondLst>
+                                    <p:cond delay="0"/>
+                                  </p:stCondLst>
+                                  <p:childTnLst>
+                                    <p:set>
+                                      <p:cBhvr>
+                                        <p:cTn id="6" dur="1" fill="hold">
+                                          <p:stCondLst>
+                                            <p:cond delay="0"/>
+                                          </p:stCondLst>
+                                        </p:cTn>
+                                        <p:tgtEl>
+                                          <p:spTgt spid="29"/>
+                                        </p:tgtEl>
+                                        <p:attrNameLst>
+                                          <p:attrName>style.visibility</p:attrName>
+                                        </p:attrNameLst>
+                                      </p:cBhvr>
+                                      <p:to>
+                                        <p:strVal val="visible"/>
+                                      </p:to>
+                                    </p:set>
+                                    <p:animEffect transition="in" filter="fade">
+                                      <p:cBhvr>
+                                        <p:cTn id="7" dur="500"/>
+                                        <p:tgtEl>
+                                          <p:spTgt spid="29"/>
+                                        </p:tgtEl>
+                                      </p:cBhvr>
+                                    </p:animEffect>
+                                  </p:childTnLst>
+                                </p:cTn>
+                              </p:par>
+                            </p:childTnLst>
+                          </p:cTn>
+                        </p:par>
+                      </p:childTnLst>
+                    </p:cTn>
+                  </p:par>
+                  <p:par>
+                    <p:cTn id="8" fill="hold">
+                      <p:stCondLst>
+                        <p:cond delay="indefinite"/>
+                      </p:stCondLst>
+                      <p:childTnLst>
+                        <p:par>
+                          <p:cTn id="9" fill="hold">
+                            <p:stCondLst>
+                              <p:cond delay="0"/>
+                            </p:stCondLst>
+                            <p:childTnLst>
+                              <p:par>
+                                <p:cTn id="10" presetID="10" presetClass="entr" presetSubtype="0" fill="hold" nodeType="clickEffect">
+                                  <p:stCondLst>
+                                    <p:cond delay="0"/>
+                                  </p:stCondLst>
+                                  <p:childTnLst>
+                                    <p:set>
+                                      <p:cBhvr>
+                                        <p:cTn id="11" dur="1" fill="hold">
+                                          <p:stCondLst>
+                                            <p:cond delay="0"/>
+                                          </p:stCondLst>
+                                        </p:cTn>
+                                        <p:tgtEl>
+                                          <p:spTgt spid="35"/>
+                                        </p:tgtEl>
+                                        <p:attrNameLst>
+                                          <p:attrName>style.visibility</p:attrName>
+                                        </p:attrNameLst>
+                                      </p:cBhvr>
+                                      <p:to>
+                                        <p:strVal val="visible"/>
+                                      </p:to>
+                                    </p:set>
+                                    <p:animEffect transition="in" filter="fade">
+                                      <p:cBhvr>
+                                        <p:cTn id="12" dur="500"/>
+                                        <p:tgtEl>
+                                          <p:spTgt spid="35"/>
+                                        </p:tgtEl>
+                                      </p:cBhvr>
+                                    </p:animEffect>
+                                  </p:childTnLst>
+                                </p:cTn>
+                              </p:par>
+                            </p:childTnLst>
+                          </p:cTn>
+                        </p:par>
+                      </p:childTnLst>
+                    </p:cTn>
+                  </p:par>
+                </p:childTnLst>
+              </p:cTn>
+              <p:prevCondLst>
+                <p:cond evt="onPrev" delay="0">
+                  <p:tgtEl>
+                    <p:sldTgt/>
+                  </p:tgtEl>
+                </p:cond>
+              </p:prevCondLst>
+              <p:nextCondLst>
+                <p:cond evt="onNext" delay="0">
+                  <p:tgtEl>
+                    <p:sldTgt/>
+                  </p:tgtEl>
+                </p:cond>
+              </p:nextCondLst>
+            </p:seq>
+          </p:childTnLst>
+        </p:cTn>
       </p:par>
     </p:tnLst>
+    <p:bldLst>
+      <p:bldP spid="29" grpId="0" animBg="1"/>
+    </p:bldLst>
   </p:timing>
 </p:sld>
 </file>
@@ -8491,9 +9108,141 @@
   <p:timing>
     <p:tnLst>
       <p:par>
-        <p:cTn id="1" dur="indefinite" restart="never" nodeType="tmRoot"/>
+        <p:cTn id="1" dur="indefinite" restart="never" nodeType="tmRoot">
+          <p:childTnLst>
+            <p:seq concurrent="1" nextAc="seek">
+              <p:cTn id="2" dur="indefinite" nodeType="mainSeq">
+                <p:childTnLst>
+                  <p:par>
+                    <p:cTn id="3" fill="hold">
+                      <p:stCondLst>
+                        <p:cond delay="indefinite"/>
+                      </p:stCondLst>
+                      <p:childTnLst>
+                        <p:par>
+                          <p:cTn id="4" fill="hold">
+                            <p:stCondLst>
+                              <p:cond delay="0"/>
+                            </p:stCondLst>
+                            <p:childTnLst>
+                              <p:par>
+                                <p:cTn id="5" presetID="10" presetClass="entr" presetSubtype="0" fill="hold" grpId="0" nodeType="clickEffect">
+                                  <p:stCondLst>
+                                    <p:cond delay="0"/>
+                                  </p:stCondLst>
+                                  <p:childTnLst>
+                                    <p:set>
+                                      <p:cBhvr>
+                                        <p:cTn id="6" dur="1" fill="hold">
+                                          <p:stCondLst>
+                                            <p:cond delay="0"/>
+                                          </p:stCondLst>
+                                        </p:cTn>
+                                        <p:tgtEl>
+                                          <p:spTgt spid="19"/>
+                                        </p:tgtEl>
+                                        <p:attrNameLst>
+                                          <p:attrName>style.visibility</p:attrName>
+                                        </p:attrNameLst>
+                                      </p:cBhvr>
+                                      <p:to>
+                                        <p:strVal val="visible"/>
+                                      </p:to>
+                                    </p:set>
+                                    <p:animEffect transition="in" filter="fade">
+                                      <p:cBhvr>
+                                        <p:cTn id="7" dur="500"/>
+                                        <p:tgtEl>
+                                          <p:spTgt spid="19"/>
+                                        </p:tgtEl>
+                                      </p:cBhvr>
+                                    </p:animEffect>
+                                  </p:childTnLst>
+                                </p:cTn>
+                              </p:par>
+                            </p:childTnLst>
+                          </p:cTn>
+                        </p:par>
+                      </p:childTnLst>
+                    </p:cTn>
+                  </p:par>
+                  <p:par>
+                    <p:cTn id="8" fill="hold">
+                      <p:stCondLst>
+                        <p:cond delay="indefinite"/>
+                      </p:stCondLst>
+                      <p:childTnLst>
+                        <p:par>
+                          <p:cTn id="9" fill="hold">
+                            <p:stCondLst>
+                              <p:cond delay="0"/>
+                            </p:stCondLst>
+                            <p:childTnLst>
+                              <p:par>
+                                <p:cTn id="10" presetID="10" presetClass="entr" presetSubtype="0" fill="hold" nodeType="clickEffect">
+                                  <p:stCondLst>
+                                    <p:cond delay="0"/>
+                                  </p:stCondLst>
+                                  <p:childTnLst>
+                                    <p:set>
+                                      <p:cBhvr>
+                                        <p:cTn id="11" dur="1" fill="hold">
+                                          <p:stCondLst>
+                                            <p:cond delay="0"/>
+                                          </p:stCondLst>
+                                        </p:cTn>
+                                        <p:tgtEl>
+                                          <p:spTgt spid="21"/>
+                                        </p:tgtEl>
+                                        <p:attrNameLst>
+                                          <p:attrName>style.visibility</p:attrName>
+                                        </p:attrNameLst>
+                                      </p:cBhvr>
+                                      <p:to>
+                                        <p:strVal val="visible"/>
+                                      </p:to>
+                                    </p:set>
+                                    <p:animEffect transition="in" filter="fade">
+                                      <p:cBhvr>
+                                        <p:cTn id="12" dur="500"/>
+                                        <p:tgtEl>
+                                          <p:spTgt spid="21"/>
+                                        </p:tgtEl>
+                                      </p:cBhvr>
+                                    </p:animEffect>
+                                  </p:childTnLst>
+                                </p:cTn>
+                              </p:par>
+                            </p:childTnLst>
+                          </p:cTn>
+                        </p:par>
+                      </p:childTnLst>
+                    </p:cTn>
+                  </p:par>
+                </p:childTnLst>
+              </p:cTn>
+              <p:prevCondLst>
+                <p:cond evt="onPrev" delay="0">
+                  <p:tgtEl>
+                    <p:sldTgt/>
+                  </p:tgtEl>
+                </p:cond>
+              </p:prevCondLst>
+              <p:nextCondLst>
+                <p:cond evt="onNext" delay="0">
+                  <p:tgtEl>
+                    <p:sldTgt/>
+                  </p:tgtEl>
+                </p:cond>
+              </p:nextCondLst>
+            </p:seq>
+          </p:childTnLst>
+        </p:cTn>
       </p:par>
     </p:tnLst>
+    <p:bldLst>
+      <p:bldP spid="19" grpId="0" animBg="1"/>
+    </p:bldLst>
   </p:timing>
 </p:sld>
 </file>
@@ -8547,36 +9296,6 @@
       </p:sp>
       <p:sp>
         <p:nvSpPr>
-          <p:cNvPr id="34" name="TextBox 33"/>
-          <p:cNvSpPr txBox="1"/>
-          <p:nvPr/>
-        </p:nvSpPr>
-        <p:spPr>
-          <a:xfrm>
-            <a:off x="8001000" y="6324600"/>
-            <a:ext cx="914400" cy="369332"/>
-          </a:xfrm>
-          <a:prstGeom prst="rect">
-            <a:avLst/>
-          </a:prstGeom>
-          <a:noFill/>
-        </p:spPr>
-        <p:txBody>
-          <a:bodyPr wrap="square" rtlCol="0">
-            <a:spAutoFit/>
-          </a:bodyPr>
-          <a:lstStyle/>
-          <a:p>
-            <a:r>
-              <a:rPr lang="en-US" dirty="0" smtClean="0"/>
-              <a:t>(Ex. 1)</a:t>
-            </a:r>
-            <a:endParaRPr lang="en-US" dirty="0"/>
-          </a:p>
-        </p:txBody>
-      </p:sp>
-      <p:sp>
-        <p:nvSpPr>
           <p:cNvPr id="4" name="Content Placeholder 3"/>
           <p:cNvSpPr>
             <a:spLocks noGrp="1"/>
@@ -8703,7 +9422,274 @@
   <p:timing>
     <p:tnLst>
       <p:par>
-        <p:cTn id="1" dur="indefinite" restart="never" nodeType="tmRoot"/>
+        <p:cTn id="1" dur="indefinite" restart="never" nodeType="tmRoot">
+          <p:childTnLst>
+            <p:seq concurrent="1" nextAc="seek">
+              <p:cTn id="2" dur="indefinite" nodeType="mainSeq">
+                <p:childTnLst>
+                  <p:par>
+                    <p:cTn id="3" fill="hold">
+                      <p:stCondLst>
+                        <p:cond delay="indefinite"/>
+                      </p:stCondLst>
+                      <p:childTnLst>
+                        <p:par>
+                          <p:cTn id="4" fill="hold">
+                            <p:stCondLst>
+                              <p:cond delay="0"/>
+                            </p:stCondLst>
+                            <p:childTnLst>
+                              <p:par>
+                                <p:cTn id="5" presetID="10" presetClass="entr" presetSubtype="0" fill="hold" nodeType="clickEffect">
+                                  <p:stCondLst>
+                                    <p:cond delay="0"/>
+                                  </p:stCondLst>
+                                  <p:childTnLst>
+                                    <p:set>
+                                      <p:cBhvr>
+                                        <p:cTn id="6" dur="1" fill="hold">
+                                          <p:stCondLst>
+                                            <p:cond delay="0"/>
+                                          </p:stCondLst>
+                                        </p:cTn>
+                                        <p:tgtEl>
+                                          <p:spTgt spid="4">
+                                            <p:txEl>
+                                              <p:pRg st="2" end="2"/>
+                                            </p:txEl>
+                                          </p:spTgt>
+                                        </p:tgtEl>
+                                        <p:attrNameLst>
+                                          <p:attrName>style.visibility</p:attrName>
+                                        </p:attrNameLst>
+                                      </p:cBhvr>
+                                      <p:to>
+                                        <p:strVal val="visible"/>
+                                      </p:to>
+                                    </p:set>
+                                    <p:animEffect transition="in" filter="fade">
+                                      <p:cBhvr>
+                                        <p:cTn id="7" dur="500"/>
+                                        <p:tgtEl>
+                                          <p:spTgt spid="4">
+                                            <p:txEl>
+                                              <p:pRg st="2" end="2"/>
+                                            </p:txEl>
+                                          </p:spTgt>
+                                        </p:tgtEl>
+                                      </p:cBhvr>
+                                    </p:animEffect>
+                                  </p:childTnLst>
+                                </p:cTn>
+                              </p:par>
+                            </p:childTnLst>
+                          </p:cTn>
+                        </p:par>
+                      </p:childTnLst>
+                    </p:cTn>
+                  </p:par>
+                  <p:par>
+                    <p:cTn id="8" fill="hold">
+                      <p:stCondLst>
+                        <p:cond delay="indefinite"/>
+                      </p:stCondLst>
+                      <p:childTnLst>
+                        <p:par>
+                          <p:cTn id="9" fill="hold">
+                            <p:stCondLst>
+                              <p:cond delay="0"/>
+                            </p:stCondLst>
+                            <p:childTnLst>
+                              <p:par>
+                                <p:cTn id="10" presetID="10" presetClass="entr" presetSubtype="0" fill="hold" nodeType="clickEffect">
+                                  <p:stCondLst>
+                                    <p:cond delay="0"/>
+                                  </p:stCondLst>
+                                  <p:childTnLst>
+                                    <p:set>
+                                      <p:cBhvr>
+                                        <p:cTn id="11" dur="1" fill="hold">
+                                          <p:stCondLst>
+                                            <p:cond delay="0"/>
+                                          </p:stCondLst>
+                                        </p:cTn>
+                                        <p:tgtEl>
+                                          <p:spTgt spid="4">
+                                            <p:txEl>
+                                              <p:pRg st="4" end="4"/>
+                                            </p:txEl>
+                                          </p:spTgt>
+                                        </p:tgtEl>
+                                        <p:attrNameLst>
+                                          <p:attrName>style.visibility</p:attrName>
+                                        </p:attrNameLst>
+                                      </p:cBhvr>
+                                      <p:to>
+                                        <p:strVal val="visible"/>
+                                      </p:to>
+                                    </p:set>
+                                    <p:animEffect transition="in" filter="fade">
+                                      <p:cBhvr>
+                                        <p:cTn id="12" dur="500"/>
+                                        <p:tgtEl>
+                                          <p:spTgt spid="4">
+                                            <p:txEl>
+                                              <p:pRg st="4" end="4"/>
+                                            </p:txEl>
+                                          </p:spTgt>
+                                        </p:tgtEl>
+                                      </p:cBhvr>
+                                    </p:animEffect>
+                                  </p:childTnLst>
+                                </p:cTn>
+                              </p:par>
+                            </p:childTnLst>
+                          </p:cTn>
+                        </p:par>
+                      </p:childTnLst>
+                    </p:cTn>
+                  </p:par>
+                  <p:par>
+                    <p:cTn id="13" fill="hold">
+                      <p:stCondLst>
+                        <p:cond delay="indefinite"/>
+                      </p:stCondLst>
+                      <p:childTnLst>
+                        <p:par>
+                          <p:cTn id="14" fill="hold">
+                            <p:stCondLst>
+                              <p:cond delay="0"/>
+                            </p:stCondLst>
+                            <p:childTnLst>
+                              <p:par>
+                                <p:cTn id="15" presetID="10" presetClass="entr" presetSubtype="0" fill="hold" nodeType="clickEffect">
+                                  <p:stCondLst>
+                                    <p:cond delay="0"/>
+                                  </p:stCondLst>
+                                  <p:childTnLst>
+                                    <p:set>
+                                      <p:cBhvr>
+                                        <p:cTn id="16" dur="1" fill="hold">
+                                          <p:stCondLst>
+                                            <p:cond delay="0"/>
+                                          </p:stCondLst>
+                                        </p:cTn>
+                                        <p:tgtEl>
+                                          <p:spTgt spid="4">
+                                            <p:txEl>
+                                              <p:pRg st="6" end="6"/>
+                                            </p:txEl>
+                                          </p:spTgt>
+                                        </p:tgtEl>
+                                        <p:attrNameLst>
+                                          <p:attrName>style.visibility</p:attrName>
+                                        </p:attrNameLst>
+                                      </p:cBhvr>
+                                      <p:to>
+                                        <p:strVal val="visible"/>
+                                      </p:to>
+                                    </p:set>
+                                    <p:animEffect transition="in" filter="fade">
+                                      <p:cBhvr>
+                                        <p:cTn id="17" dur="500"/>
+                                        <p:tgtEl>
+                                          <p:spTgt spid="4">
+                                            <p:txEl>
+                                              <p:pRg st="6" end="6"/>
+                                            </p:txEl>
+                                          </p:spTgt>
+                                        </p:tgtEl>
+                                      </p:cBhvr>
+                                    </p:animEffect>
+                                  </p:childTnLst>
+                                </p:cTn>
+                              </p:par>
+                            </p:childTnLst>
+                          </p:cTn>
+                        </p:par>
+                      </p:childTnLst>
+                    </p:cTn>
+                  </p:par>
+                  <p:par>
+                    <p:cTn id="18" fill="hold">
+                      <p:stCondLst>
+                        <p:cond delay="indefinite"/>
+                      </p:stCondLst>
+                      <p:childTnLst>
+                        <p:par>
+                          <p:cTn id="19" fill="hold">
+                            <p:stCondLst>
+                              <p:cond delay="0"/>
+                            </p:stCondLst>
+                            <p:childTnLst>
+                              <p:par>
+                                <p:cTn id="20" presetID="10" presetClass="entr" presetSubtype="0" fill="hold" nodeType="clickEffect">
+                                  <p:stCondLst>
+                                    <p:cond delay="0"/>
+                                  </p:stCondLst>
+                                  <p:childTnLst>
+                                    <p:set>
+                                      <p:cBhvr>
+                                        <p:cTn id="21" dur="1" fill="hold">
+                                          <p:stCondLst>
+                                            <p:cond delay="0"/>
+                                          </p:stCondLst>
+                                        </p:cTn>
+                                        <p:tgtEl>
+                                          <p:spTgt spid="4">
+                                            <p:txEl>
+                                              <p:pRg st="8" end="8"/>
+                                            </p:txEl>
+                                          </p:spTgt>
+                                        </p:tgtEl>
+                                        <p:attrNameLst>
+                                          <p:attrName>style.visibility</p:attrName>
+                                        </p:attrNameLst>
+                                      </p:cBhvr>
+                                      <p:to>
+                                        <p:strVal val="visible"/>
+                                      </p:to>
+                                    </p:set>
+                                    <p:animEffect transition="in" filter="fade">
+                                      <p:cBhvr>
+                                        <p:cTn id="22" dur="500"/>
+                                        <p:tgtEl>
+                                          <p:spTgt spid="4">
+                                            <p:txEl>
+                                              <p:pRg st="8" end="8"/>
+                                            </p:txEl>
+                                          </p:spTgt>
+                                        </p:tgtEl>
+                                      </p:cBhvr>
+                                    </p:animEffect>
+                                  </p:childTnLst>
+                                </p:cTn>
+                              </p:par>
+                            </p:childTnLst>
+                          </p:cTn>
+                        </p:par>
+                      </p:childTnLst>
+                    </p:cTn>
+                  </p:par>
+                </p:childTnLst>
+              </p:cTn>
+              <p:prevCondLst>
+                <p:cond evt="onPrev" delay="0">
+                  <p:tgtEl>
+                    <p:sldTgt/>
+                  </p:tgtEl>
+                </p:cond>
+              </p:prevCondLst>
+              <p:nextCondLst>
+                <p:cond evt="onNext" delay="0">
+                  <p:tgtEl>
+                    <p:sldTgt/>
+                  </p:tgtEl>
+                </p:cond>
+              </p:nextCondLst>
+            </p:seq>
+          </p:childTnLst>
+        </p:cTn>
       </p:par>
     </p:tnLst>
   </p:timing>
@@ -9115,6 +10101,55 @@
               <a:schemeClr val="accent5">
                 <a:satMod val="175000"/>
                 <a:alpha val="40000"/>
+              </a:schemeClr>
+            </a:glow>
+          </a:effectLst>
+          <a:extLst>
+            <a:ext uri="{909E8E84-426E-40DD-AFC4-6F175D3DCCD1}">
+              <a14:hiddenFill xmlns:a14="http://schemas.microsoft.com/office/drawing/2010/main">
+                <a:solidFill>
+                  <a:srgbClr val="FFFFFF"/>
+                </a:solidFill>
+              </a14:hiddenFill>
+            </a:ext>
+          </a:extLst>
+        </p:spPr>
+      </p:pic>
+      <p:pic>
+        <p:nvPicPr>
+          <p:cNvPr id="8" name="Picture 6" descr="C:\Users\robyb\AppData\Local\Microsoft\Windows\INetCache\IE\SG5V56EJ\1200px-Stick_Figure.svg[1].png"/>
+          <p:cNvPicPr>
+            <a:picLocks noChangeAspect="1" noChangeArrowheads="1"/>
+          </p:cNvPicPr>
+          <p:nvPr/>
+        </p:nvPicPr>
+        <p:blipFill>
+          <a:blip r:embed="rId5" cstate="print">
+            <a:extLst>
+              <a:ext uri="{28A0092B-C50C-407E-A947-70E740481C1C}">
+                <a14:useLocalDpi xmlns:a14="http://schemas.microsoft.com/office/drawing/2010/main" val="0"/>
+              </a:ext>
+            </a:extLst>
+          </a:blip>
+          <a:srcRect/>
+          <a:stretch>
+            <a:fillRect/>
+          </a:stretch>
+        </p:blipFill>
+        <p:spPr bwMode="auto">
+          <a:xfrm>
+            <a:off x="4305298" y="5684520"/>
+            <a:ext cx="906843" cy="1280160"/>
+          </a:xfrm>
+          <a:prstGeom prst="rect">
+            <a:avLst/>
+          </a:prstGeom>
+          <a:noFill/>
+          <a:effectLst>
+            <a:glow rad="50800">
+              <a:schemeClr val="accent3">
+                <a:satMod val="175000"/>
+                <a:alpha val="50000"/>
               </a:schemeClr>
             </a:glow>
           </a:effectLst>
@@ -9491,6 +10526,55 @@
           </a:extLst>
         </p:spPr>
       </p:pic>
+      <p:pic>
+        <p:nvPicPr>
+          <p:cNvPr id="7" name="Picture 6" descr="C:\Users\robyb\AppData\Local\Microsoft\Windows\INetCache\IE\SG5V56EJ\1200px-Stick_Figure.svg[1].png"/>
+          <p:cNvPicPr>
+            <a:picLocks noChangeAspect="1" noChangeArrowheads="1"/>
+          </p:cNvPicPr>
+          <p:nvPr/>
+        </p:nvPicPr>
+        <p:blipFill>
+          <a:blip r:embed="rId3" cstate="print">
+            <a:extLst>
+              <a:ext uri="{28A0092B-C50C-407E-A947-70E740481C1C}">
+                <a14:useLocalDpi xmlns:a14="http://schemas.microsoft.com/office/drawing/2010/main" val="0"/>
+              </a:ext>
+            </a:extLst>
+          </a:blip>
+          <a:srcRect/>
+          <a:stretch>
+            <a:fillRect/>
+          </a:stretch>
+        </p:blipFill>
+        <p:spPr bwMode="auto">
+          <a:xfrm>
+            <a:off x="4305298" y="5684520"/>
+            <a:ext cx="906843" cy="1280160"/>
+          </a:xfrm>
+          <a:prstGeom prst="rect">
+            <a:avLst/>
+          </a:prstGeom>
+          <a:noFill/>
+          <a:effectLst>
+            <a:glow rad="50800">
+              <a:schemeClr val="accent3">
+                <a:satMod val="175000"/>
+                <a:alpha val="50000"/>
+              </a:schemeClr>
+            </a:glow>
+          </a:effectLst>
+          <a:extLst>
+            <a:ext uri="{909E8E84-426E-40DD-AFC4-6F175D3DCCD1}">
+              <a14:hiddenFill xmlns:a14="http://schemas.microsoft.com/office/drawing/2010/main">
+                <a:solidFill>
+                  <a:srgbClr val="FFFFFF"/>
+                </a:solidFill>
+              </a14:hiddenFill>
+            </a:ext>
+          </a:extLst>
+        </p:spPr>
+      </p:pic>
     </p:spTree>
     <p:extLst>
       <p:ext uri="{BB962C8B-B14F-4D97-AF65-F5344CB8AC3E}">
@@ -9786,6 +10870,55 @@
               <a:schemeClr val="accent5">
                 <a:satMod val="175000"/>
                 <a:alpha val="40000"/>
+              </a:schemeClr>
+            </a:glow>
+          </a:effectLst>
+          <a:extLst>
+            <a:ext uri="{909E8E84-426E-40DD-AFC4-6F175D3DCCD1}">
+              <a14:hiddenFill xmlns:a14="http://schemas.microsoft.com/office/drawing/2010/main">
+                <a:solidFill>
+                  <a:srgbClr val="FFFFFF"/>
+                </a:solidFill>
+              </a14:hiddenFill>
+            </a:ext>
+          </a:extLst>
+        </p:spPr>
+      </p:pic>
+      <p:pic>
+        <p:nvPicPr>
+          <p:cNvPr id="7" name="Picture 6" descr="C:\Users\robyb\AppData\Local\Microsoft\Windows\INetCache\IE\SG5V56EJ\1200px-Stick_Figure.svg[1].png"/>
+          <p:cNvPicPr>
+            <a:picLocks noChangeAspect="1" noChangeArrowheads="1"/>
+          </p:cNvPicPr>
+          <p:nvPr/>
+        </p:nvPicPr>
+        <p:blipFill>
+          <a:blip r:embed="rId3" cstate="print">
+            <a:extLst>
+              <a:ext uri="{28A0092B-C50C-407E-A947-70E740481C1C}">
+                <a14:useLocalDpi xmlns:a14="http://schemas.microsoft.com/office/drawing/2010/main" val="0"/>
+              </a:ext>
+            </a:extLst>
+          </a:blip>
+          <a:srcRect/>
+          <a:stretch>
+            <a:fillRect/>
+          </a:stretch>
+        </p:blipFill>
+        <p:spPr bwMode="auto">
+          <a:xfrm>
+            <a:off x="4305298" y="5684520"/>
+            <a:ext cx="906843" cy="1280160"/>
+          </a:xfrm>
+          <a:prstGeom prst="rect">
+            <a:avLst/>
+          </a:prstGeom>
+          <a:noFill/>
+          <a:effectLst>
+            <a:glow rad="50800">
+              <a:schemeClr val="accent3">
+                <a:satMod val="175000"/>
+                <a:alpha val="50000"/>
               </a:schemeClr>
             </a:glow>
           </a:effectLst>
@@ -10014,17 +11147,7 @@
                   </a:schemeClr>
                 </a:solidFill>
               </a:rPr>
-              <a:t>correspondingly</a:t>
-            </a:r>
-            <a:r>
-              <a:rPr lang="en-US" sz="1600" dirty="0">
-                <a:solidFill>
-                  <a:schemeClr val="tx1">
-                    <a:tint val="75000"/>
-                  </a:schemeClr>
-                </a:solidFill>
-              </a:rPr>
-              <a:t>.</a:t>
+              <a:t>correspondingly.</a:t>
             </a:r>
           </a:p>
           <a:p>
@@ -10097,11 +11220,7 @@
             </a:r>
             <a:r>
               <a:rPr lang="en-US" sz="1600" b="1" u="sng" dirty="0"/>
-              <a:t>each student has no </a:t>
-            </a:r>
-            <a:r>
-              <a:rPr lang="en-US" sz="1600" b="1" u="sng" dirty="0"/>
-              <a:t>more than two archenemies.</a:t>
+              <a:t>each student has no more than two archenemies.</a:t>
             </a:r>
             <a:endParaRPr lang="en-US" sz="1600" dirty="0"/>
           </a:p>
@@ -10168,13 +11287,6 @@
               </a:rPr>
               <a:t>in order to start the game.</a:t>
             </a:r>
-            <a:endParaRPr lang="en-US" sz="1600" dirty="0">
-              <a:solidFill>
-                <a:schemeClr val="tx1">
-                  <a:tint val="75000"/>
-                </a:schemeClr>
-              </a:solidFill>
-            </a:endParaRPr>
           </a:p>
         </p:txBody>
       </p:sp>
@@ -10311,6 +11423,55 @@
               <a:schemeClr val="accent5">
                 <a:satMod val="175000"/>
                 <a:alpha val="40000"/>
+              </a:schemeClr>
+            </a:glow>
+          </a:effectLst>
+          <a:extLst>
+            <a:ext uri="{909E8E84-426E-40DD-AFC4-6F175D3DCCD1}">
+              <a14:hiddenFill xmlns:a14="http://schemas.microsoft.com/office/drawing/2010/main">
+                <a:solidFill>
+                  <a:srgbClr val="FFFFFF"/>
+                </a:solidFill>
+              </a14:hiddenFill>
+            </a:ext>
+          </a:extLst>
+        </p:spPr>
+      </p:pic>
+      <p:pic>
+        <p:nvPicPr>
+          <p:cNvPr id="7" name="Picture 6" descr="C:\Users\robyb\AppData\Local\Microsoft\Windows\INetCache\IE\SG5V56EJ\1200px-Stick_Figure.svg[1].png"/>
+          <p:cNvPicPr>
+            <a:picLocks noChangeAspect="1" noChangeArrowheads="1"/>
+          </p:cNvPicPr>
+          <p:nvPr/>
+        </p:nvPicPr>
+        <p:blipFill>
+          <a:blip r:embed="rId4" cstate="print">
+            <a:extLst>
+              <a:ext uri="{28A0092B-C50C-407E-A947-70E740481C1C}">
+                <a14:useLocalDpi xmlns:a14="http://schemas.microsoft.com/office/drawing/2010/main" val="0"/>
+              </a:ext>
+            </a:extLst>
+          </a:blip>
+          <a:srcRect/>
+          <a:stretch>
+            <a:fillRect/>
+          </a:stretch>
+        </p:blipFill>
+        <p:spPr bwMode="auto">
+          <a:xfrm>
+            <a:off x="4953000" y="5684520"/>
+            <a:ext cx="906843" cy="1280160"/>
+          </a:xfrm>
+          <a:prstGeom prst="rect">
+            <a:avLst/>
+          </a:prstGeom>
+          <a:noFill/>
+          <a:effectLst>
+            <a:glow rad="50800">
+              <a:schemeClr val="accent3">
+                <a:satMod val="175000"/>
+                <a:alpha val="50000"/>
               </a:schemeClr>
             </a:glow>
           </a:effectLst>
@@ -11849,7 +13010,259 @@
   <p:timing>
     <p:tnLst>
       <p:par>
-        <p:cTn id="1" dur="indefinite" restart="never" nodeType="tmRoot"/>
+        <p:cTn id="1" dur="indefinite" restart="never" nodeType="tmRoot">
+          <p:childTnLst>
+            <p:seq concurrent="1" nextAc="seek">
+              <p:cTn id="2" dur="indefinite" nodeType="mainSeq">
+                <p:childTnLst>
+                  <p:par>
+                    <p:cTn id="3" fill="hold">
+                      <p:stCondLst>
+                        <p:cond delay="indefinite"/>
+                      </p:stCondLst>
+                      <p:childTnLst>
+                        <p:par>
+                          <p:cTn id="4" fill="hold">
+                            <p:stCondLst>
+                              <p:cond delay="0"/>
+                            </p:stCondLst>
+                            <p:childTnLst>
+                              <p:par>
+                                <p:cTn id="5" presetID="10" presetClass="entr" presetSubtype="0" fill="hold" nodeType="clickEffect">
+                                  <p:stCondLst>
+                                    <p:cond delay="0"/>
+                                  </p:stCondLst>
+                                  <p:childTnLst>
+                                    <p:set>
+                                      <p:cBhvr>
+                                        <p:cTn id="6" dur="1" fill="hold">
+                                          <p:stCondLst>
+                                            <p:cond delay="0"/>
+                                          </p:stCondLst>
+                                        </p:cTn>
+                                        <p:tgtEl>
+                                          <p:spTgt spid="23"/>
+                                        </p:tgtEl>
+                                        <p:attrNameLst>
+                                          <p:attrName>style.visibility</p:attrName>
+                                        </p:attrNameLst>
+                                      </p:cBhvr>
+                                      <p:to>
+                                        <p:strVal val="visible"/>
+                                      </p:to>
+                                    </p:set>
+                                    <p:animEffect transition="in" filter="fade">
+                                      <p:cBhvr>
+                                        <p:cTn id="7" dur="500"/>
+                                        <p:tgtEl>
+                                          <p:spTgt spid="23"/>
+                                        </p:tgtEl>
+                                      </p:cBhvr>
+                                    </p:animEffect>
+                                  </p:childTnLst>
+                                </p:cTn>
+                              </p:par>
+                              <p:par>
+                                <p:cTn id="8" presetID="10" presetClass="entr" presetSubtype="0" fill="hold" nodeType="withEffect">
+                                  <p:stCondLst>
+                                    <p:cond delay="0"/>
+                                  </p:stCondLst>
+                                  <p:childTnLst>
+                                    <p:set>
+                                      <p:cBhvr>
+                                        <p:cTn id="9" dur="1" fill="hold">
+                                          <p:stCondLst>
+                                            <p:cond delay="0"/>
+                                          </p:stCondLst>
+                                        </p:cTn>
+                                        <p:tgtEl>
+                                          <p:spTgt spid="8"/>
+                                        </p:tgtEl>
+                                        <p:attrNameLst>
+                                          <p:attrName>style.visibility</p:attrName>
+                                        </p:attrNameLst>
+                                      </p:cBhvr>
+                                      <p:to>
+                                        <p:strVal val="visible"/>
+                                      </p:to>
+                                    </p:set>
+                                    <p:animEffect transition="in" filter="fade">
+                                      <p:cBhvr>
+                                        <p:cTn id="10" dur="500"/>
+                                        <p:tgtEl>
+                                          <p:spTgt spid="8"/>
+                                        </p:tgtEl>
+                                      </p:cBhvr>
+                                    </p:animEffect>
+                                  </p:childTnLst>
+                                </p:cTn>
+                              </p:par>
+                            </p:childTnLst>
+                          </p:cTn>
+                        </p:par>
+                      </p:childTnLst>
+                    </p:cTn>
+                  </p:par>
+                  <p:par>
+                    <p:cTn id="11" fill="hold">
+                      <p:stCondLst>
+                        <p:cond delay="indefinite"/>
+                      </p:stCondLst>
+                      <p:childTnLst>
+                        <p:par>
+                          <p:cTn id="12" fill="hold">
+                            <p:stCondLst>
+                              <p:cond delay="0"/>
+                            </p:stCondLst>
+                            <p:childTnLst>
+                              <p:par>
+                                <p:cTn id="13" presetID="10" presetClass="entr" presetSubtype="0" fill="hold" nodeType="clickEffect">
+                                  <p:stCondLst>
+                                    <p:cond delay="0"/>
+                                  </p:stCondLst>
+                                  <p:childTnLst>
+                                    <p:set>
+                                      <p:cBhvr>
+                                        <p:cTn id="14" dur="1" fill="hold">
+                                          <p:stCondLst>
+                                            <p:cond delay="0"/>
+                                          </p:stCondLst>
+                                        </p:cTn>
+                                        <p:tgtEl>
+                                          <p:spTgt spid="9"/>
+                                        </p:tgtEl>
+                                        <p:attrNameLst>
+                                          <p:attrName>style.visibility</p:attrName>
+                                        </p:attrNameLst>
+                                      </p:cBhvr>
+                                      <p:to>
+                                        <p:strVal val="visible"/>
+                                      </p:to>
+                                    </p:set>
+                                    <p:animEffect transition="in" filter="fade">
+                                      <p:cBhvr>
+                                        <p:cTn id="15" dur="500"/>
+                                        <p:tgtEl>
+                                          <p:spTgt spid="9"/>
+                                        </p:tgtEl>
+                                      </p:cBhvr>
+                                    </p:animEffect>
+                                  </p:childTnLst>
+                                </p:cTn>
+                              </p:par>
+                              <p:par>
+                                <p:cTn id="16" presetID="10" presetClass="entr" presetSubtype="0" fill="hold" nodeType="withEffect">
+                                  <p:stCondLst>
+                                    <p:cond delay="0"/>
+                                  </p:stCondLst>
+                                  <p:childTnLst>
+                                    <p:set>
+                                      <p:cBhvr>
+                                        <p:cTn id="17" dur="1" fill="hold">
+                                          <p:stCondLst>
+                                            <p:cond delay="0"/>
+                                          </p:stCondLst>
+                                        </p:cTn>
+                                        <p:tgtEl>
+                                          <p:spTgt spid="10"/>
+                                        </p:tgtEl>
+                                        <p:attrNameLst>
+                                          <p:attrName>style.visibility</p:attrName>
+                                        </p:attrNameLst>
+                                      </p:cBhvr>
+                                      <p:to>
+                                        <p:strVal val="visible"/>
+                                      </p:to>
+                                    </p:set>
+                                    <p:animEffect transition="in" filter="fade">
+                                      <p:cBhvr>
+                                        <p:cTn id="18" dur="500"/>
+                                        <p:tgtEl>
+                                          <p:spTgt spid="10"/>
+                                        </p:tgtEl>
+                                      </p:cBhvr>
+                                    </p:animEffect>
+                                  </p:childTnLst>
+                                </p:cTn>
+                              </p:par>
+                            </p:childTnLst>
+                          </p:cTn>
+                        </p:par>
+                      </p:childTnLst>
+                    </p:cTn>
+                  </p:par>
+                  <p:par>
+                    <p:cTn id="19" fill="hold">
+                      <p:stCondLst>
+                        <p:cond delay="indefinite"/>
+                      </p:stCondLst>
+                      <p:childTnLst>
+                        <p:par>
+                          <p:cTn id="20" fill="hold">
+                            <p:stCondLst>
+                              <p:cond delay="0"/>
+                            </p:stCondLst>
+                            <p:childTnLst>
+                              <p:par>
+                                <p:cTn id="21" presetID="10" presetClass="entr" presetSubtype="0" fill="hold" nodeType="clickEffect">
+                                  <p:stCondLst>
+                                    <p:cond delay="0"/>
+                                  </p:stCondLst>
+                                  <p:childTnLst>
+                                    <p:set>
+                                      <p:cBhvr>
+                                        <p:cTn id="22" dur="1" fill="hold">
+                                          <p:stCondLst>
+                                            <p:cond delay="0"/>
+                                          </p:stCondLst>
+                                        </p:cTn>
+                                        <p:tgtEl>
+                                          <p:spTgt spid="22"/>
+                                        </p:tgtEl>
+                                        <p:attrNameLst>
+                                          <p:attrName>style.visibility</p:attrName>
+                                        </p:attrNameLst>
+                                      </p:cBhvr>
+                                      <p:to>
+                                        <p:strVal val="visible"/>
+                                      </p:to>
+                                    </p:set>
+                                    <p:animEffect transition="in" filter="fade">
+                                      <p:cBhvr>
+                                        <p:cTn id="23" dur="500"/>
+                                        <p:tgtEl>
+                                          <p:spTgt spid="22"/>
+                                        </p:tgtEl>
+                                      </p:cBhvr>
+                                    </p:animEffect>
+                                  </p:childTnLst>
+                                </p:cTn>
+                              </p:par>
+                            </p:childTnLst>
+                          </p:cTn>
+                        </p:par>
+                      </p:childTnLst>
+                    </p:cTn>
+                  </p:par>
+                </p:childTnLst>
+              </p:cTn>
+              <p:prevCondLst>
+                <p:cond evt="onPrev" delay="0">
+                  <p:tgtEl>
+                    <p:sldTgt/>
+                  </p:tgtEl>
+                </p:cond>
+              </p:prevCondLst>
+              <p:nextCondLst>
+                <p:cond evt="onNext" delay="0">
+                  <p:tgtEl>
+                    <p:sldTgt/>
+                  </p:tgtEl>
+                </p:cond>
+              </p:nextCondLst>
+            </p:seq>
+          </p:childTnLst>
+        </p:cTn>
       </p:par>
     </p:tnLst>
   </p:timing>
@@ -13383,7 +14796,276 @@
   <p:timing>
     <p:tnLst>
       <p:par>
-        <p:cTn id="1" dur="indefinite" restart="never" nodeType="tmRoot"/>
+        <p:cTn id="1" dur="indefinite" restart="never" nodeType="tmRoot">
+          <p:childTnLst>
+            <p:seq concurrent="1" nextAc="seek">
+              <p:cTn id="2" dur="indefinite" nodeType="mainSeq">
+                <p:childTnLst>
+                  <p:par>
+                    <p:cTn id="3" fill="hold">
+                      <p:stCondLst>
+                        <p:cond delay="indefinite"/>
+                      </p:stCondLst>
+                      <p:childTnLst>
+                        <p:par>
+                          <p:cTn id="4" fill="hold">
+                            <p:stCondLst>
+                              <p:cond delay="0"/>
+                            </p:stCondLst>
+                            <p:childTnLst>
+                              <p:par>
+                                <p:cTn id="5" presetID="10" presetClass="entr" presetSubtype="0" fill="hold" nodeType="clickEffect">
+                                  <p:stCondLst>
+                                    <p:cond delay="0"/>
+                                  </p:stCondLst>
+                                  <p:childTnLst>
+                                    <p:set>
+                                      <p:cBhvr>
+                                        <p:cTn id="6" dur="1" fill="hold">
+                                          <p:stCondLst>
+                                            <p:cond delay="0"/>
+                                          </p:stCondLst>
+                                        </p:cTn>
+                                        <p:tgtEl>
+                                          <p:spTgt spid="22"/>
+                                        </p:tgtEl>
+                                        <p:attrNameLst>
+                                          <p:attrName>style.visibility</p:attrName>
+                                        </p:attrNameLst>
+                                      </p:cBhvr>
+                                      <p:to>
+                                        <p:strVal val="visible"/>
+                                      </p:to>
+                                    </p:set>
+                                    <p:animEffect transition="in" filter="fade">
+                                      <p:cBhvr>
+                                        <p:cTn id="7" dur="500"/>
+                                        <p:tgtEl>
+                                          <p:spTgt spid="22"/>
+                                        </p:tgtEl>
+                                      </p:cBhvr>
+                                    </p:animEffect>
+                                  </p:childTnLst>
+                                </p:cTn>
+                              </p:par>
+                              <p:par>
+                                <p:cTn id="8" presetID="10" presetClass="entr" presetSubtype="0" fill="hold" nodeType="withEffect">
+                                  <p:stCondLst>
+                                    <p:cond delay="0"/>
+                                  </p:stCondLst>
+                                  <p:childTnLst>
+                                    <p:set>
+                                      <p:cBhvr>
+                                        <p:cTn id="9" dur="1" fill="hold">
+                                          <p:stCondLst>
+                                            <p:cond delay="0"/>
+                                          </p:stCondLst>
+                                        </p:cTn>
+                                        <p:tgtEl>
+                                          <p:spTgt spid="21"/>
+                                        </p:tgtEl>
+                                        <p:attrNameLst>
+                                          <p:attrName>style.visibility</p:attrName>
+                                        </p:attrNameLst>
+                                      </p:cBhvr>
+                                      <p:to>
+                                        <p:strVal val="visible"/>
+                                      </p:to>
+                                    </p:set>
+                                    <p:animEffect transition="in" filter="fade">
+                                      <p:cBhvr>
+                                        <p:cTn id="10" dur="500"/>
+                                        <p:tgtEl>
+                                          <p:spTgt spid="21"/>
+                                        </p:tgtEl>
+                                      </p:cBhvr>
+                                    </p:animEffect>
+                                  </p:childTnLst>
+                                </p:cTn>
+                              </p:par>
+                              <p:par>
+                                <p:cTn id="11" presetID="10" presetClass="entr" presetSubtype="0" fill="hold" nodeType="withEffect">
+                                  <p:stCondLst>
+                                    <p:cond delay="0"/>
+                                  </p:stCondLst>
+                                  <p:childTnLst>
+                                    <p:set>
+                                      <p:cBhvr>
+                                        <p:cTn id="12" dur="1" fill="hold">
+                                          <p:stCondLst>
+                                            <p:cond delay="0"/>
+                                          </p:stCondLst>
+                                        </p:cTn>
+                                        <p:tgtEl>
+                                          <p:spTgt spid="18"/>
+                                        </p:tgtEl>
+                                        <p:attrNameLst>
+                                          <p:attrName>style.visibility</p:attrName>
+                                        </p:attrNameLst>
+                                      </p:cBhvr>
+                                      <p:to>
+                                        <p:strVal val="visible"/>
+                                      </p:to>
+                                    </p:set>
+                                    <p:animEffect transition="in" filter="fade">
+                                      <p:cBhvr>
+                                        <p:cTn id="13" dur="500"/>
+                                        <p:tgtEl>
+                                          <p:spTgt spid="18"/>
+                                        </p:tgtEl>
+                                      </p:cBhvr>
+                                    </p:animEffect>
+                                  </p:childTnLst>
+                                </p:cTn>
+                              </p:par>
+                            </p:childTnLst>
+                          </p:cTn>
+                        </p:par>
+                      </p:childTnLst>
+                    </p:cTn>
+                  </p:par>
+                  <p:par>
+                    <p:cTn id="14" fill="hold">
+                      <p:stCondLst>
+                        <p:cond delay="indefinite"/>
+                      </p:stCondLst>
+                      <p:childTnLst>
+                        <p:par>
+                          <p:cTn id="15" fill="hold">
+                            <p:stCondLst>
+                              <p:cond delay="0"/>
+                            </p:stCondLst>
+                            <p:childTnLst>
+                              <p:par>
+                                <p:cTn id="16" presetID="10" presetClass="entr" presetSubtype="0" fill="hold" nodeType="clickEffect">
+                                  <p:stCondLst>
+                                    <p:cond delay="0"/>
+                                  </p:stCondLst>
+                                  <p:childTnLst>
+                                    <p:set>
+                                      <p:cBhvr>
+                                        <p:cTn id="17" dur="1" fill="hold">
+                                          <p:stCondLst>
+                                            <p:cond delay="0"/>
+                                          </p:stCondLst>
+                                        </p:cTn>
+                                        <p:tgtEl>
+                                          <p:spTgt spid="23"/>
+                                        </p:tgtEl>
+                                        <p:attrNameLst>
+                                          <p:attrName>style.visibility</p:attrName>
+                                        </p:attrNameLst>
+                                      </p:cBhvr>
+                                      <p:to>
+                                        <p:strVal val="visible"/>
+                                      </p:to>
+                                    </p:set>
+                                    <p:animEffect transition="in" filter="fade">
+                                      <p:cBhvr>
+                                        <p:cTn id="18" dur="500"/>
+                                        <p:tgtEl>
+                                          <p:spTgt spid="23"/>
+                                        </p:tgtEl>
+                                      </p:cBhvr>
+                                    </p:animEffect>
+                                  </p:childTnLst>
+                                </p:cTn>
+                              </p:par>
+                              <p:par>
+                                <p:cTn id="19" presetID="10" presetClass="entr" presetSubtype="0" fill="hold" nodeType="withEffect">
+                                  <p:stCondLst>
+                                    <p:cond delay="0"/>
+                                  </p:stCondLst>
+                                  <p:childTnLst>
+                                    <p:set>
+                                      <p:cBhvr>
+                                        <p:cTn id="20" dur="1" fill="hold">
+                                          <p:stCondLst>
+                                            <p:cond delay="0"/>
+                                          </p:stCondLst>
+                                        </p:cTn>
+                                        <p:tgtEl>
+                                          <p:spTgt spid="19"/>
+                                        </p:tgtEl>
+                                        <p:attrNameLst>
+                                          <p:attrName>style.visibility</p:attrName>
+                                        </p:attrNameLst>
+                                      </p:cBhvr>
+                                      <p:to>
+                                        <p:strVal val="visible"/>
+                                      </p:to>
+                                    </p:set>
+                                    <p:animEffect transition="in" filter="fade">
+                                      <p:cBhvr>
+                                        <p:cTn id="21" dur="500"/>
+                                        <p:tgtEl>
+                                          <p:spTgt spid="19"/>
+                                        </p:tgtEl>
+                                      </p:cBhvr>
+                                    </p:animEffect>
+                                  </p:childTnLst>
+                                </p:cTn>
+                              </p:par>
+                              <p:par>
+                                <p:cTn id="22" presetID="10" presetClass="entr" presetSubtype="0" fill="hold" nodeType="withEffect">
+                                  <p:stCondLst>
+                                    <p:cond delay="0"/>
+                                  </p:stCondLst>
+                                  <p:childTnLst>
+                                    <p:set>
+                                      <p:cBhvr>
+                                        <p:cTn id="23" dur="1" fill="hold">
+                                          <p:stCondLst>
+                                            <p:cond delay="0"/>
+                                          </p:stCondLst>
+                                        </p:cTn>
+                                        <p:tgtEl>
+                                          <p:spTgt spid="20"/>
+                                        </p:tgtEl>
+                                        <p:attrNameLst>
+                                          <p:attrName>style.visibility</p:attrName>
+                                        </p:attrNameLst>
+                                      </p:cBhvr>
+                                      <p:to>
+                                        <p:strVal val="visible"/>
+                                      </p:to>
+                                    </p:set>
+                                    <p:animEffect transition="in" filter="fade">
+                                      <p:cBhvr>
+                                        <p:cTn id="24" dur="500"/>
+                                        <p:tgtEl>
+                                          <p:spTgt spid="20"/>
+                                        </p:tgtEl>
+                                      </p:cBhvr>
+                                    </p:animEffect>
+                                  </p:childTnLst>
+                                </p:cTn>
+                              </p:par>
+                            </p:childTnLst>
+                          </p:cTn>
+                        </p:par>
+                      </p:childTnLst>
+                    </p:cTn>
+                  </p:par>
+                </p:childTnLst>
+              </p:cTn>
+              <p:prevCondLst>
+                <p:cond evt="onPrev" delay="0">
+                  <p:tgtEl>
+                    <p:sldTgt/>
+                  </p:tgtEl>
+                </p:cond>
+              </p:prevCondLst>
+              <p:nextCondLst>
+                <p:cond evt="onNext" delay="0">
+                  <p:tgtEl>
+                    <p:sldTgt/>
+                  </p:tgtEl>
+                </p:cond>
+              </p:nextCondLst>
+            </p:seq>
+          </p:childTnLst>
+        </p:cTn>
       </p:par>
     </p:tnLst>
   </p:timing>
